--- a/lectures/lecture-17/Lecture-Live A00/Lecture 17 - Lecture.pptx
+++ b/lectures/lecture-17/Lecture-Live A00/Lecture 17 - Lecture.pptx
@@ -142,6 +142,422 @@
     </p:ext>
   </p:extLst>
 </p:presentation>
+</file>
+
+<file path=ppt/ink/ink1.xml><?xml version="1.0" encoding="utf-8"?>
+<inkml:ink xmlns:inkml="http://www.w3.org/2003/InkML">
+  <inkml:definitions>
+    <inkml:context xml:id="ctx0">
+      <inkml:inkSource xml:id="inkSrc0">
+        <inkml:traceFormat>
+          <inkml:channel name="X" type="integer" min="-2.14748E9" max="2.14748E9" units="cm"/>
+          <inkml:channel name="Y" type="integer" min="-2.14748E9" max="2.14748E9" units="cm"/>
+          <inkml:channel name="F" type="integer" max="32767" units="dev"/>
+          <inkml:channel name="OA" type="integer" max="360" units="deg"/>
+          <inkml:channel name="OE" type="integer" max="90" units="deg"/>
+        </inkml:traceFormat>
+        <inkml:channelProperties>
+          <inkml:channelProperty channel="X" name="resolution" value="1000" units="1/cm"/>
+          <inkml:channelProperty channel="Y" name="resolution" value="1000" units="1/cm"/>
+          <inkml:channelProperty channel="F" name="resolution" value="0" units="1/dev"/>
+          <inkml:channelProperty channel="OA" name="resolution" value="1000" units="1/deg"/>
+          <inkml:channelProperty channel="OE" name="resolution" value="1000" units="1/deg"/>
+        </inkml:channelProperties>
+      </inkml:inkSource>
+      <inkml:timestamp xml:id="ts0" timeString="2021-05-05T15:00:31.121"/>
+    </inkml:context>
+    <inkml:brush xml:id="br0">
+      <inkml:brushProperty name="width" value="0.05" units="cm"/>
+      <inkml:brushProperty name="height" value="0.05" units="cm"/>
+      <inkml:brushProperty name="color" value="#E71224"/>
+    </inkml:brush>
+  </inkml:definitions>
+  <inkml:trace contextRef="#ctx0" brushRef="#br0">42 39 1840 0 0,'0'0'83'0'0,"-1"0"-6"0"0,-2 0 171 0 0,1 0 178 0 0,1 0-1 0 0,0 0 1 0 0,0-1-1 0 0,-1 1 1 0 0,1 0 0 0 0,0-1-1 0 0,0 1 1 0 0,-1-1-1 0 0,1 1 1 0 0,0-1 0 0 0,0 1-1 0 0,0-1 1 0 0,-1-1-1 0 0,-1 0 81 0 0,1 0-1 0 0,-1-1 1 0 0,1 1 0 0 0,0-1-1 0 0,-5-16 10615 0 0,61 24-8680 0 0,-22 0-1765 0 0,149 22 1049 0 0,-21-11-834 0 0,-30-16-269 0 0,-18 0-202 0 0,-62 2-214 0 0,63 5 559 0 0,110 4-877 0 0,-96-6 393 0 0,-14-2-53 0 0,0-1 106 0 0,4 0-16 0 0,-38 3-98 0 0,-19 6 196 0 0,-41-7-198 0 0,17 3-171 0 0,0-3 1 0 0,0 0-1 0 0,0-2 1 0 0,59-5-1 0 0,-86 3-40 0 0,-6 0 5 0 0,-1 0 0 0 0,1-1 1 0 0,-1 1-1 0 0,0 0 0 0 0,1-1 0 0 0,-1 1 0 0 0,1-1 0 0 0,-1 0 0 0 0,4-2 0 0 0,11 1 0 0 0,-12 0-11 0 0,-2-1-15 0 0,-3 3-150 0 0</inkml:trace>
+</inkml:ink>
+</file>
+
+<file path=ppt/ink/ink10.xml><?xml version="1.0" encoding="utf-8"?>
+<inkml:ink xmlns:inkml="http://www.w3.org/2003/InkML">
+  <inkml:definitions>
+    <inkml:context xml:id="ctx0">
+      <inkml:inkSource xml:id="inkSrc0">
+        <inkml:traceFormat>
+          <inkml:channel name="X" type="integer" min="-2.14748E9" max="2.14748E9" units="cm"/>
+          <inkml:channel name="Y" type="integer" min="-2.14748E9" max="2.14748E9" units="cm"/>
+          <inkml:channel name="F" type="integer" max="32767" units="dev"/>
+          <inkml:channel name="OA" type="integer" max="360" units="deg"/>
+          <inkml:channel name="OE" type="integer" max="90" units="deg"/>
+        </inkml:traceFormat>
+        <inkml:channelProperties>
+          <inkml:channelProperty channel="X" name="resolution" value="1000" units="1/cm"/>
+          <inkml:channelProperty channel="Y" name="resolution" value="1000" units="1/cm"/>
+          <inkml:channelProperty channel="F" name="resolution" value="0" units="1/dev"/>
+          <inkml:channelProperty channel="OA" name="resolution" value="1000" units="1/deg"/>
+          <inkml:channelProperty channel="OE" name="resolution" value="1000" units="1/deg"/>
+        </inkml:channelProperties>
+      </inkml:inkSource>
+      <inkml:timestamp xml:id="ts0" timeString="2021-05-05T15:01:13.464"/>
+    </inkml:context>
+    <inkml:brush xml:id="br0">
+      <inkml:brushProperty name="width" value="0.05" units="cm"/>
+      <inkml:brushProperty name="height" value="0.05" units="cm"/>
+      <inkml:brushProperty name="color" value="#E71224"/>
+    </inkml:brush>
+  </inkml:definitions>
+  <inkml:trace contextRef="#ctx0" brushRef="#br0">0 174 2304 0 0,'0'0'2641'0'0,"15"-8"7446"0"0,-13 6-9678 0 0,0 1 0 0 0,0 0 1 0 0,1 0-1 0 0,-1 0 0 0 0,0 0 1 0 0,1 0-1 0 0,-1 1 1 0 0,0-1-1 0 0,1 1 0 0 0,-1-1 1 0 0,1 1-1 0 0,-1 0 1 0 0,1 0-1 0 0,2 0 0 0 0,41 7 491 0 0,-27-4-163 0 0,-2 0-547 0 0,1-2 0 0 0,-1 0 0 0 0,1-1 0 0 0,22-3 0 0 0,-39 3-120 0 0,1 0-1 0 0,0 0 1 0 0,-1 0 0 0 0,1-1-1 0 0,-1 1 1 0 0,1-1-1 0 0,-1 1 1 0 0,1-1 0 0 0,-1 0-1 0 0,2-1 1 0 0,-2 2-27 0 0,-1 0 1 0 0,0 0-1 0 0,0-1 1 0 0,1 1-1 0 0,-1 0 1 0 0,0-1-1 0 0,0 1 1 0 0,0 0-1 0 0,0-1 1 0 0,1 1 0 0 0,-1 0-1 0 0,0-1 1 0 0,0 1-1 0 0,0 0 1 0 0,0-1-1 0 0,0 1 1 0 0,0-1-1 0 0,0 1 1 0 0,0 0-1 0 0,0-1 1 0 0,-6-13 263 0 0,3 9-251 0 0,0 1 21 0 0,0 2 3 0 0,2 1 0 0 0,1 0-13 0 0,1 0-76 0 0,-1 0 0 0 0,0 1-1 0 0,0-1 1 0 0,0 0 0 0 0,1 1 0 0 0,-1-1 0 0 0,0 0-1 0 0,1 1 1 0 0,-1-1 0 0 0,1 0 0 0 0,-1 1 0 0 0,1-1 0 0 0,-1 1-1 0 0,1-1 1 0 0,-1 0 0 0 0,1 1 0 0 0,-1 0 0 0 0,1-1 0 0 0,0 1-1 0 0,-1-1 1 0 0,1 1 0 0 0,0 0 0 0 0,-1-1 0 0 0,1 1 0 0 0,0 0-1 0 0,-1 0 1 0 0,1 0 0 0 0,0-1 0 0 0,0 1 0 0 0,-1 0 0 0 0,1 0-1 0 0,0 0 1 0 0,1 0 0 0 0,-2 0-2 0 0,25-6-164 0 0,-21 4 215 0 0,1 1 1 0 0,-1-1-1 0 0,0 1 0 0 0,1 0 1 0 0,8 0-1 0 0,21-2 78 0 0,-21 2 135 0 0,-18 0 1532 0 0,-2 0-1748 0 0,1-1 1 0 0,-1 1-1 0 0,1-1 1 0 0,0 0 0 0 0,-1-1-1 0 0,1 1 1 0 0,0-1-1 0 0,0 0 1 0 0,-8-7-1 0 0,-10-3 37 0 0,-9-5-24 0 0,17 9 21 0 0,-22-10 0 0 0,35 18-39 0 0,1 0 0 0 0,0 1 0 0 0,-1-1 0 0 0,1 0 0 0 0,0 1 0 0 0,-1 0 0 0 0,-3-1 0 0 0,5 1 32 0 0,-1-1-16 0 0,2 5 16 0 0,6 6 16 0 0,3 0-60 0 0,1-1 0 0 0,1 0 1 0 0,0-1-1 0 0,0 0 0 0 0,0-1 0 0 0,1 0 0 0 0,19 7 0 0 0,65 26-277 0 0,-90-38 261 0 0,-5-2-1 0 0,1 0 0 0 0,-1 1 1 0 0,0-1-1 0 0,0 0 0 0 0,0 1 1 0 0,1 0-1 0 0,-1-1 0 0 0,0 1 0 0 0,0 0 1 0 0,0-1-1 0 0,0 1 0 0 0,0 0 1 0 0,0 0-1 0 0,0 0 0 0 0,-1 0 0 0 0,1 0 1 0 0,0 0-1 0 0,0 0 0 0 0,0 2 0 0 0,0-1 28 0 0,0 0-1 0 0,-1 0 0 0 0,1 0 0 0 0,-1 0 0 0 0,0 0 0 0 0,1 1 1 0 0,-1-1-1 0 0,0 0 0 0 0,0 0 0 0 0,-1 0 0 0 0,1 0 0 0 0,0 1 1 0 0,-1-1-1 0 0,1 0 0 0 0,-1 0 0 0 0,0 0 0 0 0,0 0 0 0 0,1 0 1 0 0,-1 0-1 0 0,-2 2 0 0 0,0 2 27 0 0,-1 0 0 0 0,0 0 0 0 0,0-1 0 0 0,0 1 0 0 0,-8 6 0 0 0,0-2-7 0 0,9-9-32 0 0,0 1 1 0 0,0 0 0 0 0,1 0-1 0 0,-1 1 1 0 0,1-1 0 0 0,0 0-1 0 0,-4 5 1 0 0,5-5-27 0 0,-1-1-1 0 0,1 0 1 0 0,-1 0 0 0 0,0 0 0 0 0,1 0-1 0 0,-1 0 1 0 0,0 0 0 0 0,1-1-1 0 0,-1 1 1 0 0,0 0 0 0 0,0-1-1 0 0,-3 1 1 0 0,4-1 143 0 0</inkml:trace>
+</inkml:ink>
+</file>
+
+<file path=ppt/ink/ink11.xml><?xml version="1.0" encoding="utf-8"?>
+<inkml:ink xmlns:inkml="http://www.w3.org/2003/InkML">
+  <inkml:definitions>
+    <inkml:context xml:id="ctx0">
+      <inkml:inkSource xml:id="inkSrc0">
+        <inkml:traceFormat>
+          <inkml:channel name="X" type="integer" min="-2.14748E9" max="2.14748E9" units="cm"/>
+          <inkml:channel name="Y" type="integer" min="-2.14748E9" max="2.14748E9" units="cm"/>
+          <inkml:channel name="F" type="integer" max="32767" units="dev"/>
+          <inkml:channel name="OA" type="integer" max="360" units="deg"/>
+          <inkml:channel name="OE" type="integer" max="90" units="deg"/>
+        </inkml:traceFormat>
+        <inkml:channelProperties>
+          <inkml:channelProperty channel="X" name="resolution" value="1000" units="1/cm"/>
+          <inkml:channelProperty channel="Y" name="resolution" value="1000" units="1/cm"/>
+          <inkml:channelProperty channel="F" name="resolution" value="0" units="1/dev"/>
+          <inkml:channelProperty channel="OA" name="resolution" value="1000" units="1/deg"/>
+          <inkml:channelProperty channel="OE" name="resolution" value="1000" units="1/deg"/>
+        </inkml:channelProperties>
+      </inkml:inkSource>
+      <inkml:timestamp xml:id="ts0" timeString="2021-05-05T15:01:22.405"/>
+    </inkml:context>
+    <inkml:brush xml:id="br0">
+      <inkml:brushProperty name="width" value="0.05" units="cm"/>
+      <inkml:brushProperty name="height" value="0.05" units="cm"/>
+      <inkml:brushProperty name="color" value="#E71224"/>
+    </inkml:brush>
+  </inkml:definitions>
+  <inkml:trace contextRef="#ctx0" brushRef="#br0">46 11 2760 0 0,'-15'1'549'0'0,"1"2"5194"0"0,-3 0 6091 0 0,19-3-11561 0 0,10-2 122 0 0,1 1-1 0 0,0 1 0 0 0,-1 0 1 0 0,1 1-1 0 0,20 3 0 0 0,28 1 336 0 0,287-18 1062 0 0,-245 7-1424 0 0,84 0 438 0 0,37 18 775 0 0,-2-1 320 0 0,-115-18-917 0 0,-88 5-2176 0 0,-4 0-2122 0 0,1 1 0 0 0,18 1 0 0 0</inkml:trace>
+</inkml:ink>
+</file>
+
+<file path=ppt/ink/ink12.xml><?xml version="1.0" encoding="utf-8"?>
+<inkml:ink xmlns:inkml="http://www.w3.org/2003/InkML">
+  <inkml:definitions>
+    <inkml:context xml:id="ctx0">
+      <inkml:inkSource xml:id="inkSrc0">
+        <inkml:traceFormat>
+          <inkml:channel name="X" type="integer" min="-2.14748E9" max="2.14748E9" units="cm"/>
+          <inkml:channel name="Y" type="integer" min="-2.14748E9" max="2.14748E9" units="cm"/>
+          <inkml:channel name="F" type="integer" max="32767" units="dev"/>
+          <inkml:channel name="OA" type="integer" max="360" units="deg"/>
+          <inkml:channel name="OE" type="integer" max="90" units="deg"/>
+        </inkml:traceFormat>
+        <inkml:channelProperties>
+          <inkml:channelProperty channel="X" name="resolution" value="1000" units="1/cm"/>
+          <inkml:channelProperty channel="Y" name="resolution" value="1000" units="1/cm"/>
+          <inkml:channelProperty channel="F" name="resolution" value="0" units="1/dev"/>
+          <inkml:channelProperty channel="OA" name="resolution" value="1000" units="1/deg"/>
+          <inkml:channelProperty channel="OE" name="resolution" value="1000" units="1/deg"/>
+        </inkml:channelProperties>
+      </inkml:inkSource>
+      <inkml:timestamp xml:id="ts0" timeString="2021-05-05T15:01:26.779"/>
+    </inkml:context>
+    <inkml:brush xml:id="br0">
+      <inkml:brushProperty name="width" value="0.05" units="cm"/>
+      <inkml:brushProperty name="height" value="0.05" units="cm"/>
+      <inkml:brushProperty name="color" value="#E71224"/>
+    </inkml:brush>
+  </inkml:definitions>
+  <inkml:trace contextRef="#ctx0" brushRef="#br0">15 1 11976 0 0,'0'0'1200'0'0,"-14"0"11328"0"0,14 0-12373 0 0,12 9 3696 0 0,-1-2-4506 0 0,0-2 705 0 0,0-1-1 0 0,1 0 0 0 0,-1-1 1 0 0,1 0-1 0 0,0-1 0 0 0,0-1 1 0 0,12 1-1 0 0,-2 1 196 0 0,46 2 561 0 0,94-5 0 0 0,-10-1-846 0 0,-75 1 256 0 0,109-15 0 0 0,-170 13-212 0 0,29-3 63 0 0,122-8 610 0 0,-148 13-570 0 0,0-1-1 0 0,22-4 1 0 0,-5 5-107 0 0,-16-3-35 0 0,-20 3-145 0 0,2 0-253 0 0,-6 3 113 0 0,-6 3-439 0 0,8-5 343 0 0,0 1-1 0 0,-1-1 1 0 0,1 0-1 0 0,0 0 1 0 0,-1 0 0 0 0,1 0-1 0 0,-1 0 1 0 0,-3 0 0 0 0,-2 0-1198 0 0</inkml:trace>
+</inkml:ink>
+</file>
+
+<file path=ppt/ink/ink13.xml><?xml version="1.0" encoding="utf-8"?>
+<inkml:ink xmlns:inkml="http://www.w3.org/2003/InkML">
+  <inkml:definitions>
+    <inkml:context xml:id="ctx0">
+      <inkml:inkSource xml:id="inkSrc0">
+        <inkml:traceFormat>
+          <inkml:channel name="X" type="integer" min="-2.14748E9" max="2.14748E9" units="cm"/>
+          <inkml:channel name="Y" type="integer" min="-2.14748E9" max="2.14748E9" units="cm"/>
+          <inkml:channel name="F" type="integer" max="32767" units="dev"/>
+          <inkml:channel name="OA" type="integer" max="360" units="deg"/>
+          <inkml:channel name="OE" type="integer" max="90" units="deg"/>
+        </inkml:traceFormat>
+        <inkml:channelProperties>
+          <inkml:channelProperty channel="X" name="resolution" value="1000" units="1/cm"/>
+          <inkml:channelProperty channel="Y" name="resolution" value="1000" units="1/cm"/>
+          <inkml:channelProperty channel="F" name="resolution" value="0" units="1/dev"/>
+          <inkml:channelProperty channel="OA" name="resolution" value="1000" units="1/deg"/>
+          <inkml:channelProperty channel="OE" name="resolution" value="1000" units="1/deg"/>
+        </inkml:channelProperties>
+      </inkml:inkSource>
+      <inkml:timestamp xml:id="ts0" timeString="2021-05-05T15:01:28.190"/>
+    </inkml:context>
+    <inkml:brush xml:id="br0">
+      <inkml:brushProperty name="width" value="0.05" units="cm"/>
+      <inkml:brushProperty name="height" value="0.05" units="cm"/>
+      <inkml:brushProperty name="color" value="#E71224"/>
+    </inkml:brush>
+  </inkml:definitions>
+  <inkml:trace contextRef="#ctx0" brushRef="#br0">7 4 2760 0 0,'-7'0'24389'0'0,"12"-1"-24389"0"0,0 0 1 0 0,0 0 0 0 0,1 1 0 0 0,-1-1 0 0 0,0 1 0 0 0,0 0 0 0 0,0 1 0 0 0,0-1 0 0 0,8 3 0 0 0,20 1 23 0 0,-30-4 62 0 0,5-1-54 0 0,0 1 0 0 0,1 1 0 0 0,-1-1-1 0 0,0 1 1 0 0,15 4 0 0 0,-15-2-7 0 0,0-1 0 0 0,0-1 0 0 0,0 0-1 0 0,0 0 1 0 0,0 0 0 0 0,0-1 0 0 0,12-1 0 0 0,18 1 36 0 0,64 12-61 0 0,-11-1 0 0 0,523 3 1860 0 0,-506-20-1805 0 0,32 0 87 0 0,3 9 473 0 0,-64-2-338 0 0,-44-2-32 0 0,43 6 0 0 0,-38-1-71 0 0,-1 0 0 0 0,1-3 0 0 0,-1-1 0 0 0,65-9 0 0 0,-91 7-96 0 0,-6 1-121 0 0,0 0 1 0 0,0 0 0 0 0,0 0-1 0 0,0-1 1 0 0,-1 0 0 0 0,1-1-1 0 0,8-4 1 0 0,-13 6 38 0 0,7 0-64 0 0,-8 1-303 0 0</inkml:trace>
+</inkml:ink>
+</file>
+
+<file path=ppt/ink/ink2.xml><?xml version="1.0" encoding="utf-8"?>
+<inkml:ink xmlns:inkml="http://www.w3.org/2003/InkML">
+  <inkml:definitions>
+    <inkml:context xml:id="ctx0">
+      <inkml:inkSource xml:id="inkSrc0">
+        <inkml:traceFormat>
+          <inkml:channel name="X" type="integer" min="-2.14748E9" max="2.14748E9" units="cm"/>
+          <inkml:channel name="Y" type="integer" min="-2.14748E9" max="2.14748E9" units="cm"/>
+          <inkml:channel name="F" type="integer" max="32767" units="dev"/>
+          <inkml:channel name="OA" type="integer" max="360" units="deg"/>
+          <inkml:channel name="OE" type="integer" max="90" units="deg"/>
+        </inkml:traceFormat>
+        <inkml:channelProperties>
+          <inkml:channelProperty channel="X" name="resolution" value="1000" units="1/cm"/>
+          <inkml:channelProperty channel="Y" name="resolution" value="1000" units="1/cm"/>
+          <inkml:channelProperty channel="F" name="resolution" value="0" units="1/dev"/>
+          <inkml:channelProperty channel="OA" name="resolution" value="1000" units="1/deg"/>
+          <inkml:channelProperty channel="OE" name="resolution" value="1000" units="1/deg"/>
+        </inkml:channelProperties>
+      </inkml:inkSource>
+      <inkml:timestamp xml:id="ts0" timeString="2021-05-05T15:00:44.066"/>
+    </inkml:context>
+    <inkml:brush xml:id="br0">
+      <inkml:brushProperty name="width" value="0.05" units="cm"/>
+      <inkml:brushProperty name="height" value="0.05" units="cm"/>
+      <inkml:brushProperty name="color" value="#E71224"/>
+    </inkml:brush>
+  </inkml:definitions>
+  <inkml:trace contextRef="#ctx0" brushRef="#br0">64 26 5408 0 0,'0'0'4694'0'0,"-11"0"-540"0"0,11 1-4079 0 0,-1-1 0 0 0,0 0 1 0 0,1 0-1 0 0,-1 0 1 0 0,0 1-1 0 0,1-1 0 0 0,-1 0 1 0 0,0 0-1 0 0,0 0 1 0 0,1 0-1 0 0,-1 0 1 0 0,0 0-1 0 0,1 0 0 0 0,-1 0 1 0 0,0 0-1 0 0,0-1 1 0 0,0 1-1 0 0,-7-1 2103 0 0,-12 1 592 0 0,9 3 2445 0 0,16-1-5448 0 0,6 2 261 0 0,1-1 0 0 0,-1-1-1 0 0,1 0 1 0 0,21 1 0 0 0,50-5 397 0 0,-24 0-37 0 0,105-3 60 0 0,-148 5-392 0 0,76-7 151 0 0,39 0 82 0 0,71-2-210 0 0,-64 2-18 0 0,211 2 15 0 0,-209 7 361 0 0,23 0 490 0 0,-55-6-612 0 0,-75 4-210 0 0,35 4 0 0 0,-24-1 79 0 0,115 11 599 0 0,-17-12-4 0 0,-89-2-406 0 0,-5-2-149 0 0,-43 2-213 0 0,5-6 393 0 0,-1 0-1892 0 0</inkml:trace>
+</inkml:ink>
+</file>
+
+<file path=ppt/ink/ink3.xml><?xml version="1.0" encoding="utf-8"?>
+<inkml:ink xmlns:inkml="http://www.w3.org/2003/InkML">
+  <inkml:definitions>
+    <inkml:context xml:id="ctx0">
+      <inkml:inkSource xml:id="inkSrc0">
+        <inkml:traceFormat>
+          <inkml:channel name="X" type="integer" min="-2.14748E9" max="2.14748E9" units="cm"/>
+          <inkml:channel name="Y" type="integer" min="-2.14748E9" max="2.14748E9" units="cm"/>
+          <inkml:channel name="F" type="integer" max="32767" units="dev"/>
+          <inkml:channel name="OA" type="integer" max="360" units="deg"/>
+          <inkml:channel name="OE" type="integer" max="90" units="deg"/>
+        </inkml:traceFormat>
+        <inkml:channelProperties>
+          <inkml:channelProperty channel="X" name="resolution" value="1000" units="1/cm"/>
+          <inkml:channelProperty channel="Y" name="resolution" value="1000" units="1/cm"/>
+          <inkml:channelProperty channel="F" name="resolution" value="0" units="1/dev"/>
+          <inkml:channelProperty channel="OA" name="resolution" value="1000" units="1/deg"/>
+          <inkml:channelProperty channel="OE" name="resolution" value="1000" units="1/deg"/>
+        </inkml:channelProperties>
+      </inkml:inkSource>
+      <inkml:timestamp xml:id="ts0" timeString="2021-05-05T15:00:47.176"/>
+    </inkml:context>
+    <inkml:brush xml:id="br0">
+      <inkml:brushProperty name="width" value="0.05" units="cm"/>
+      <inkml:brushProperty name="height" value="0.05" units="cm"/>
+      <inkml:brushProperty name="color" value="#E71224"/>
+    </inkml:brush>
+  </inkml:definitions>
+  <inkml:trace contextRef="#ctx0" brushRef="#br0">48 5 10104 0 0,'-5'-5'1008'0'0,"-9"9"-798"0"0,-3 0 4961 0 0,14-2-2980 0 0,3-2-1958 0 0,-1 0-1 0 0,1 1 0 0 0,-1-1 1 0 0,1 0-1 0 0,-1 0 1 0 0,1 1-1 0 0,-1-1 0 0 0,1 0 1 0 0,0 1-1 0 0,-1-1 0 0 0,1 0 1 0 0,0 1-1 0 0,-1-1 0 0 0,1 0 1 0 0,0 1-1 0 0,-1-1 0 0 0,1 1 1 0 0,0-1-1 0 0,-1 1 1 0 0,1-1-1 0 0,0 1 0 0 0,0 0 1 0 0,0 1-103 0 0,1-1 1 0 0,-1 1-1 0 0,1 0 1 0 0,0-1-1 0 0,0 1 1 0 0,0-1-1 0 0,0 1 1 0 0,0-1-1 0 0,0 1 0 0 0,0-1 1 0 0,0 0-1 0 0,0 0 1 0 0,1 0-1 0 0,-1 1 1 0 0,1-1-1 0 0,-1 0 1 0 0,1 0-1 0 0,-1-1 1 0 0,4 2-1 0 0,-1 1 24 0 0,1-1 0 0 0,0 0 0 0 0,0 0 0 0 0,-1-1 0 0 0,1 1 0 0 0,8 0 0 0 0,174 6 1448 0 0,114-4-317 0 0,126-16-120 0 0,-341 8-871 0 0,255 2 407 0 0,-264 8-696 0 0,-37-2-6 0 0,77-3 1 0 0,-105-2 0 0 0,0 0 0 0 0,0-2 0 0 0,0 1 0 0 0,-1-1 0 0 0,20-9 0 0 0,-22 9 0 0 0,-2 0 0 0 0,-1 0 0 0 0,1 0 0 0 0,9-7 0 0 0,-8 2-3656 0 0</inkml:trace>
+</inkml:ink>
+</file>
+
+<file path=ppt/ink/ink4.xml><?xml version="1.0" encoding="utf-8"?>
+<inkml:ink xmlns:inkml="http://www.w3.org/2003/InkML">
+  <inkml:definitions>
+    <inkml:context xml:id="ctx0">
+      <inkml:inkSource xml:id="inkSrc0">
+        <inkml:traceFormat>
+          <inkml:channel name="X" type="integer" min="-2.14748E9" max="2.14748E9" units="cm"/>
+          <inkml:channel name="Y" type="integer" min="-2.14748E9" max="2.14748E9" units="cm"/>
+          <inkml:channel name="F" type="integer" max="32767" units="dev"/>
+          <inkml:channel name="OA" type="integer" max="360" units="deg"/>
+          <inkml:channel name="OE" type="integer" max="90" units="deg"/>
+        </inkml:traceFormat>
+        <inkml:channelProperties>
+          <inkml:channelProperty channel="X" name="resolution" value="1000" units="1/cm"/>
+          <inkml:channelProperty channel="Y" name="resolution" value="1000" units="1/cm"/>
+          <inkml:channelProperty channel="F" name="resolution" value="0" units="1/dev"/>
+          <inkml:channelProperty channel="OA" name="resolution" value="1000" units="1/deg"/>
+          <inkml:channelProperty channel="OE" name="resolution" value="1000" units="1/deg"/>
+        </inkml:channelProperties>
+      </inkml:inkSource>
+      <inkml:timestamp xml:id="ts0" timeString="2021-05-05T15:00:51.062"/>
+    </inkml:context>
+    <inkml:brush xml:id="br0">
+      <inkml:brushProperty name="width" value="0.05" units="cm"/>
+      <inkml:brushProperty name="height" value="0.05" units="cm"/>
+      <inkml:brushProperty name="color" value="#E71224"/>
+    </inkml:brush>
+  </inkml:definitions>
+  <inkml:trace contextRef="#ctx0" brushRef="#br0">30 21 4896 0 0,'0'0'1166'0'0,"-15"-7"5989"0"0,14 7-7057 0 0,1 0 0 0 0,-1 0 0 0 0,0 0 0 0 0,0 0 0 0 0,1 1 0 0 0,-1-1 0 0 0,0 0 0 0 0,1 0-1 0 0,-1 1 1 0 0,1-1 0 0 0,-1 1 0 0 0,0-1 0 0 0,1 0 0 0 0,-1 1 0 0 0,1-1 0 0 0,-1 1 0 0 0,1-1 0 0 0,-1 1 0 0 0,1 0 0 0 0,0-1 0 0 0,-1 1 0 0 0,1-1 0 0 0,0 1 0 0 0,-1 0 0 0 0,1-1 0 0 0,0 1 0 0 0,0 0 0 0 0,0-1-1 0 0,-1 1 1 0 0,1 0 0 0 0,0-1 0 0 0,0 1 0 0 0,0 0 0 0 0,0 0 0 0 0,0-1 0 0 0,0 1 0 0 0,0 0 0 0 0,1-1 0 0 0,-1 1 0 0 0,0 0 0 0 0,0-1 0 0 0,0 1 0 0 0,1 0 0 0 0,-1-1 0 0 0,0 1 0 0 0,1 0 0 0 0,-1-1 0 0 0,1 1-1 0 0,-1-1 1 0 0,1 1 0 0 0,-1-1 0 0 0,1 1 0 0 0,-1-1 0 0 0,1 1 0 0 0,0 0 0 0 0,3 1 66 0 0,0 1-1 0 0,0-1 0 0 0,1 0 1 0 0,-1 0-1 0 0,1 0 1 0 0,-1 0-1 0 0,1-1 1 0 0,0 0-1 0 0,0 0 1 0 0,-1 0-1 0 0,7 0 0 0 0,30-1 363 0 0,0-1-1 0 0,0-2 0 0 0,43-9 1 0 0,37-3 59 0 0,-61 9-393 0 0,30-1 209 0 0,-35 5-145 0 0,62-1 272 0 0,-29 5-143 0 0,37 2 78 0 0,93 7 1177 0 0,-19-12-1427 0 0,-82-2-11 0 0,-80 3-88 0 0,108 3 382 0 0,51 4 415 0 0,-115-4-552 0 0,39-5 282 0 0,9-1 274 0 0,-93 0-645 0 0,66-14 1 0 0,-71 7-132 0 0,-31 10-299 0 0,9-5-6747 0 0</inkml:trace>
+</inkml:ink>
+</file>
+
+<file path=ppt/ink/ink5.xml><?xml version="1.0" encoding="utf-8"?>
+<inkml:ink xmlns:inkml="http://www.w3.org/2003/InkML">
+  <inkml:definitions>
+    <inkml:context xml:id="ctx0">
+      <inkml:inkSource xml:id="inkSrc0">
+        <inkml:traceFormat>
+          <inkml:channel name="X" type="integer" min="-2.14748E9" max="2.14748E9" units="cm"/>
+          <inkml:channel name="Y" type="integer" min="-2.14748E9" max="2.14748E9" units="cm"/>
+          <inkml:channel name="F" type="integer" max="32767" units="dev"/>
+          <inkml:channel name="OA" type="integer" max="360" units="deg"/>
+          <inkml:channel name="OE" type="integer" max="90" units="deg"/>
+        </inkml:traceFormat>
+        <inkml:channelProperties>
+          <inkml:channelProperty channel="X" name="resolution" value="1000" units="1/cm"/>
+          <inkml:channelProperty channel="Y" name="resolution" value="1000" units="1/cm"/>
+          <inkml:channelProperty channel="F" name="resolution" value="0" units="1/dev"/>
+          <inkml:channelProperty channel="OA" name="resolution" value="1000" units="1/deg"/>
+          <inkml:channelProperty channel="OE" name="resolution" value="1000" units="1/deg"/>
+        </inkml:channelProperties>
+      </inkml:inkSource>
+      <inkml:timestamp xml:id="ts0" timeString="2021-05-05T15:00:53.164"/>
+    </inkml:context>
+    <inkml:brush xml:id="br0">
+      <inkml:brushProperty name="width" value="0.05" units="cm"/>
+      <inkml:brushProperty name="height" value="0.05" units="cm"/>
+      <inkml:brushProperty name="color" value="#E71224"/>
+    </inkml:brush>
+  </inkml:definitions>
+  <inkml:trace contextRef="#ctx0" brushRef="#br0">33 0 11200 0 0,'0'0'256'0'0,"-14"10"709"0"0,-5 6 5359 0 0,71-6-3859 0 0,91 6 1 0 0,-94-13-1791 0 0,71 2 287 0 0,-11-2-372 0 0,13-1-71 0 0,-39-2-206 0 0,277 15 1006 0 0,-151-5-979 0 0,-82-2 893 0 0,36 2-690 0 0,-133-8-112 0 0,-21-1-356 0 0,-1-1 0 0 0,0 1 0 0 0,0-2-1 0 0,11 0 1 0 0,1-3 261 0 0,37-2 0 0 0,-55 6-276 0 0,3-3-48 0 0,1 2-12 0 0,-1 0 0 0 0,0 1 0 0 0,3 0 70 0 0</inkml:trace>
+</inkml:ink>
+</file>
+
+<file path=ppt/ink/ink6.xml><?xml version="1.0" encoding="utf-8"?>
+<inkml:ink xmlns:inkml="http://www.w3.org/2003/InkML">
+  <inkml:definitions>
+    <inkml:context xml:id="ctx0">
+      <inkml:inkSource xml:id="inkSrc0">
+        <inkml:traceFormat>
+          <inkml:channel name="X" type="integer" min="-2.14748E9" max="2.14748E9" units="cm"/>
+          <inkml:channel name="Y" type="integer" min="-2.14748E9" max="2.14748E9" units="cm"/>
+          <inkml:channel name="F" type="integer" max="32767" units="dev"/>
+          <inkml:channel name="OA" type="integer" max="360" units="deg"/>
+          <inkml:channel name="OE" type="integer" max="90" units="deg"/>
+        </inkml:traceFormat>
+        <inkml:channelProperties>
+          <inkml:channelProperty channel="X" name="resolution" value="1000" units="1/cm"/>
+          <inkml:channelProperty channel="Y" name="resolution" value="1000" units="1/cm"/>
+          <inkml:channelProperty channel="F" name="resolution" value="0" units="1/dev"/>
+          <inkml:channelProperty channel="OA" name="resolution" value="1000" units="1/deg"/>
+          <inkml:channelProperty channel="OE" name="resolution" value="1000" units="1/deg"/>
+        </inkml:channelProperties>
+      </inkml:inkSource>
+      <inkml:timestamp xml:id="ts0" timeString="2021-05-05T15:00:55.719"/>
+    </inkml:context>
+    <inkml:brush xml:id="br0">
+      <inkml:brushProperty name="width" value="0.05" units="cm"/>
+      <inkml:brushProperty name="height" value="0.05" units="cm"/>
+      <inkml:brushProperty name="color" value="#E71224"/>
+    </inkml:brush>
+  </inkml:definitions>
+  <inkml:trace contextRef="#ctx0" brushRef="#br0">10 107 6160 0 0,'0'0'802'0'0,"3"-7"2117"0"0,-3 6-2696 0 0,0 0-1 0 0,0 1 1 0 0,-1-1 0 0 0,1 1 0 0 0,0-1-1 0 0,0 0 1 0 0,-1 1 0 0 0,1-1-1 0 0,0 1 1 0 0,-1-1 0 0 0,1 1 0 0 0,-1-1-1 0 0,1 1 1 0 0,-1-1 0 0 0,1 1-1 0 0,-1-1 1 0 0,1 1 0 0 0,-1-1 0 0 0,1 1-1 0 0,-1 0 1 0 0,1-1 0 0 0,-1 1-1 0 0,-1 0 1349 0 0,1-11 6193 0 0,9 10-7201 0 0,-6 1-929 0 0,7-1 592 0 0,1 1-1 0 0,-1 0 0 0 0,13 3 1 0 0,15-1 107 0 0,118 6 896 0 0,-118-7-1042 0 0,104 0 363 0 0,-19-8-101 0 0,242-26 972 0 0,-238 16-413 0 0,218-1 1 0 0,-186 30-957 0 0,-2 1-56 0 0,-145-14 4 0 0,0 0 0 0 0,0-1 0 0 0,0 0 0 0 0,0 0 0 0 0,0-1 0 0 0,12-5 0 0 0,-4 2 0 0 0,-6 4 0 0 0,-8 2 0 0 0,1-1 0 0 0,0-1 0 0 0,-1-1 0 0 0,-2-1-128 0 0,-3 3-545 0 0,-3-1-388 0 0</inkml:trace>
+</inkml:ink>
+</file>
+
+<file path=ppt/ink/ink7.xml><?xml version="1.0" encoding="utf-8"?>
+<inkml:ink xmlns:inkml="http://www.w3.org/2003/InkML">
+  <inkml:definitions>
+    <inkml:context xml:id="ctx0">
+      <inkml:inkSource xml:id="inkSrc0">
+        <inkml:traceFormat>
+          <inkml:channel name="X" type="integer" min="-2.14748E9" max="2.14748E9" units="cm"/>
+          <inkml:channel name="Y" type="integer" min="-2.14748E9" max="2.14748E9" units="cm"/>
+          <inkml:channel name="F" type="integer" max="32767" units="dev"/>
+          <inkml:channel name="OA" type="integer" max="360" units="deg"/>
+          <inkml:channel name="OE" type="integer" max="90" units="deg"/>
+        </inkml:traceFormat>
+        <inkml:channelProperties>
+          <inkml:channelProperty channel="X" name="resolution" value="1000" units="1/cm"/>
+          <inkml:channelProperty channel="Y" name="resolution" value="1000" units="1/cm"/>
+          <inkml:channelProperty channel="F" name="resolution" value="0" units="1/dev"/>
+          <inkml:channelProperty channel="OA" name="resolution" value="1000" units="1/deg"/>
+          <inkml:channelProperty channel="OE" name="resolution" value="1000" units="1/deg"/>
+        </inkml:channelProperties>
+      </inkml:inkSource>
+      <inkml:timestamp xml:id="ts0" timeString="2021-05-05T15:01:00.965"/>
+    </inkml:context>
+    <inkml:brush xml:id="br0">
+      <inkml:brushProperty name="width" value="0.05" units="cm"/>
+      <inkml:brushProperty name="height" value="0.05" units="cm"/>
+      <inkml:brushProperty name="color" value="#E71224"/>
+    </inkml:brush>
+  </inkml:definitions>
+  <inkml:trace contextRef="#ctx0" brushRef="#br0">113 1 2760 0 0,'-1'0'207'0'0,"-1"2"751"0"0,-13-3 2970 0 0,-6 1-751 0 0,18 0-2840 0 0,1 0-1 0 0,-1 0 1 0 0,0 1 0 0 0,1-1-1 0 0,-1 1 1 0 0,0 0-1 0 0,1-1 1 0 0,-5 3 0 0 0,-39 22 6193 0 0,47-22-5917 0 0,0-1-519 0 0,-1-1-1 0 0,0 0 1 0 0,0 0 0 0 0,1 0-1 0 0,-1 0 1 0 0,0 0 0 0 0,1 0-1 0 0,-1 0 1 0 0,1 0 0 0 0,-1-1 0 0 0,2 2-1 0 0,4 2 85 0 0,1 0 1 0 0,0-1-1 0 0,0 0 0 0 0,0-1 0 0 0,0 0 0 0 0,0 0 0 0 0,0 0 0 0 0,1-1 1 0 0,14 1-1 0 0,7-1 339 0 0,37-5 0 0 0,-30 2-261 0 0,212-4 959 0 0,59 19-214 0 0,-89 19 108 0 0,-177-24-1010 0 0,43 12 160 0 0,-55-13-114 0 0,-1 0-1 0 0,2-2 1 0 0,46 3-1 0 0,85-5 563 0 0,-151-3-505 0 0,17 0 51 0 0,0 1 1 0 0,33 5 0 0 0,-56-5-221 0 0,-1-1 0 0 0,1 0 1 0 0,0 1-1 0 0,0-2 1 0 0,0 1-1 0 0,-1 0 0 0 0,1-1 1 0 0,0 1-1 0 0,0-1 0 0 0,5-2 1 0 0,-8 3-36 0 0,5-1 2 0 0,-1 1 0 0 0,0-2 0 0 0,-1-1-404 0 0,-1 2 1603 0 0,-1 1-3419 0 0</inkml:trace>
+</inkml:ink>
+</file>
+
+<file path=ppt/ink/ink8.xml><?xml version="1.0" encoding="utf-8"?>
+<inkml:ink xmlns:inkml="http://www.w3.org/2003/InkML">
+  <inkml:definitions>
+    <inkml:context xml:id="ctx0">
+      <inkml:inkSource xml:id="inkSrc0">
+        <inkml:traceFormat>
+          <inkml:channel name="X" type="integer" min="-2.14748E9" max="2.14748E9" units="cm"/>
+          <inkml:channel name="Y" type="integer" min="-2.14748E9" max="2.14748E9" units="cm"/>
+          <inkml:channel name="F" type="integer" max="32767" units="dev"/>
+          <inkml:channel name="OA" type="integer" max="360" units="deg"/>
+          <inkml:channel name="OE" type="integer" max="90" units="deg"/>
+        </inkml:traceFormat>
+        <inkml:channelProperties>
+          <inkml:channelProperty channel="X" name="resolution" value="1000" units="1/cm"/>
+          <inkml:channelProperty channel="Y" name="resolution" value="1000" units="1/cm"/>
+          <inkml:channelProperty channel="F" name="resolution" value="0" units="1/dev"/>
+          <inkml:channelProperty channel="OA" name="resolution" value="1000" units="1/deg"/>
+          <inkml:channelProperty channel="OE" name="resolution" value="1000" units="1/deg"/>
+        </inkml:channelProperties>
+      </inkml:inkSource>
+      <inkml:timestamp xml:id="ts0" timeString="2021-05-05T15:01:05.430"/>
+    </inkml:context>
+    <inkml:brush xml:id="br0">
+      <inkml:brushProperty name="width" value="0.05" units="cm"/>
+      <inkml:brushProperty name="height" value="0.05" units="cm"/>
+      <inkml:brushProperty name="color" value="#E71224"/>
+    </inkml:brush>
+  </inkml:definitions>
+  <inkml:trace contextRef="#ctx0" brushRef="#br0">0 113 3224 0 0,'8'-1'19360'0'0,"27"-4"-18681"0"0,4 3-525 0 0,0 2 1 0 0,43 5-1 0 0,-28-2 505 0 0,13 4-93 0 0,24 0 1018 0 0,-106-21-1201 0 0,-11-3-289 0 0,-41-19 1 0 0,-5-3-163 0 0,63 35 68 0 0,7 3 1 0 0,1 1 0 0 0,-1-1-1 0 0,1 1 1 0 0,0-1 0 0 0,-1 1 0 0 0,1-1-1 0 0,0 0 1 0 0,-1 0 0 0 0,1 0-1 0 0,0 0 1 0 0,0 0 0 0 0,0 0-1 0 0,0 0 1 0 0,0 0 0 0 0,0 0-1 0 0,-1-2 1 0 0,1 2 194 0 0,3 3-163 0 0,-1-1 1 0 0,1 0-1 0 0,-1 0 1 0 0,1 0-1 0 0,0 0 1 0 0,-1 0-1 0 0,1 0 1 0 0,0 0-1 0 0,-1-1 0 0 0,5 2 1 0 0,-4-2-21 0 0,10 4-62 0 0,1-1 0 0 0,0-1 0 0 0,19 2 0 0 0,-7-1-30 0 0,124 4 360 0 0,-146-7-249 0 0,1 0 0 0 0,0 0 0 0 0,0 1 0 0 0,-1-1 0 0 0,1 1 0 0 0,0 0 0 0 0,-1 0 0 0 0,7 3 0 0 0,-10-4 58 0 0,-3 12 328 0 0,-2-2-264 0 0,-1-1 0 0 0,0 1-1 0 0,-1-1 1 0 0,0 0 0 0 0,0-1-1 0 0,-1 0 1 0 0,-11 10 0 0 0,-13 14-208 0 0,22-21 51 0 0,0 0 0 0 0,0 0-1 0 0,-1-1 1 0 0,-1 0 0 0 0,1-1 0 0 0,-2-1-1 0 0,1 0 1 0 0,-1 0 0 0 0,-20 8-1 0 0,15-13-1715 0 0</inkml:trace>
+</inkml:ink>
+</file>
+
+<file path=ppt/ink/ink9.xml><?xml version="1.0" encoding="utf-8"?>
+<inkml:ink xmlns:inkml="http://www.w3.org/2003/InkML">
+  <inkml:definitions>
+    <inkml:context xml:id="ctx0">
+      <inkml:inkSource xml:id="inkSrc0">
+        <inkml:traceFormat>
+          <inkml:channel name="X" type="integer" min="-2.14748E9" max="2.14748E9" units="cm"/>
+          <inkml:channel name="Y" type="integer" min="-2.14748E9" max="2.14748E9" units="cm"/>
+          <inkml:channel name="F" type="integer" max="32767" units="dev"/>
+          <inkml:channel name="OA" type="integer" max="360" units="deg"/>
+          <inkml:channel name="OE" type="integer" max="90" units="deg"/>
+        </inkml:traceFormat>
+        <inkml:channelProperties>
+          <inkml:channelProperty channel="X" name="resolution" value="1000" units="1/cm"/>
+          <inkml:channelProperty channel="Y" name="resolution" value="1000" units="1/cm"/>
+          <inkml:channelProperty channel="F" name="resolution" value="0" units="1/dev"/>
+          <inkml:channelProperty channel="OA" name="resolution" value="1000" units="1/deg"/>
+          <inkml:channelProperty channel="OE" name="resolution" value="1000" units="1/deg"/>
+        </inkml:channelProperties>
+      </inkml:inkSource>
+      <inkml:timestamp xml:id="ts0" timeString="2021-05-05T15:01:08.432"/>
+    </inkml:context>
+    <inkml:brush xml:id="br0">
+      <inkml:brushProperty name="width" value="0.05" units="cm"/>
+      <inkml:brushProperty name="height" value="0.05" units="cm"/>
+      <inkml:brushProperty name="color" value="#E71224"/>
+    </inkml:brush>
+  </inkml:definitions>
+  <inkml:trace contextRef="#ctx0" brushRef="#br0">6 140 11488 0 0,'-6'-1'7727'0'0,"11"4"-6236"0"0,16 6-1590 0 0,-5-6 464 0 0,-12-2-294 0 0,0-1 1 0 0,-1 1-1 0 0,1-1 0 0 0,0 0 0 0 0,0 1 0 0 0,0-2 0 0 0,-1 1 1 0 0,5-1-1 0 0,56-8 897 0 0,7-2-175 0 0,-18 2-643 0 0,-36 7 205 0 0,0 0 0 0 0,20-7 0 0 0,-32 7-219 0 0,12-1 922 0 0,-25-7-699 0 0,-3 3-334 0 0,-105-61 479 0 0,105 62-509 0 0,8 4 11 0 0,-1 0-1 0 0,0 0 1 0 0,0 0-1 0 0,0 0 1 0 0,0 1-1 0 0,-9-2 1 0 0,12 3 166 0 0,-3-2-235 0 0,7 4 59 0 0,0 0 1 0 0,1 0-1 0 0,-1 0 1 0 0,1 0-1 0 0,0-1 1 0 0,0 1-1 0 0,-1-1 1 0 0,1 0-1 0 0,0 0 1 0 0,0-1-1 0 0,0 1 1 0 0,7 0-1 0 0,17 3 11 0 0,7 3 27 0 0,0-1 0 0 0,1-2 0 0 0,64-2 0 0 0,-99-2-30 0 0,-1 0 0 0 0,1 0 0 0 0,-1 0 0 0 0,1 0 0 0 0,-1 0 0 0 0,1 0 0 0 0,-1 0 0 0 0,1 1 0 0 0,-1-1 0 0 0,1 0 0 0 0,-1 0 0 0 0,1 0 0 0 0,-1 0 0 0 0,1 1 0 0 0,-1-1 0 0 0,1 0 0 0 0,-1 1 0 0 0,1-1 0 0 0,-1 0-1 0 0,1 1 1 0 0,-1-1 0 0 0,0 0 0 0 0,1 1 0 0 0,-1-1 0 0 0,0 1 0 0 0,1-1 0 0 0,-1 1 0 0 0,0 0 0 0 0,1 0 16 0 0,-1 0-1 0 0,0 0 1 0 0,0 0-1 0 0,0 1 0 0 0,0-1 1 0 0,0 0-1 0 0,0 0 1 0 0,0 0-1 0 0,0 0 1 0 0,-1 1-1 0 0,1-1 1 0 0,-1 2-1 0 0,-1 1 43 0 0,0 1-1 0 0,0 0 0 0 0,-1-1 0 0 0,1 1 1 0 0,-6 6-1 0 0,-10 8 43 0 0,-2 0 1 0 0,-41 31-1 0 0,-2 1 60 0 0,62-50 404 0 0,-2 2-2756 0 0</inkml:trace>
+</inkml:ink>
 </file>
 
 <file path=ppt/notesMasters/notesMaster1.xml><?xml version="1.0" encoding="utf-8"?>
@@ -836,7 +1252,7 @@
           <a:p>
             <a:fld id="{3A2BF66F-FEB0-48C1-A8B9-A73F54BB1A08}" type="datetimeFigureOut">
               <a:rPr lang="en-US" smtClean="0"/>
-              <a:t>5/4/2021</a:t>
+              <a:t>5/5/2021</a:t>
             </a:fld>
             <a:endParaRPr lang="en-US" dirty="0"/>
           </a:p>
@@ -1044,7 +1460,7 @@
           <a:p>
             <a:fld id="{3A2BF66F-FEB0-48C1-A8B9-A73F54BB1A08}" type="datetimeFigureOut">
               <a:rPr lang="en-US" smtClean="0"/>
-              <a:t>5/4/2021</a:t>
+              <a:t>5/5/2021</a:t>
             </a:fld>
             <a:endParaRPr lang="en-US" dirty="0"/>
           </a:p>
@@ -1262,7 +1678,7 @@
           <a:p>
             <a:fld id="{3A2BF66F-FEB0-48C1-A8B9-A73F54BB1A08}" type="datetimeFigureOut">
               <a:rPr lang="en-US" smtClean="0"/>
-              <a:t>5/4/2021</a:t>
+              <a:t>5/5/2021</a:t>
             </a:fld>
             <a:endParaRPr lang="en-US" dirty="0"/>
           </a:p>
@@ -1470,7 +1886,7 @@
           <a:p>
             <a:fld id="{3A2BF66F-FEB0-48C1-A8B9-A73F54BB1A08}" type="datetimeFigureOut">
               <a:rPr lang="en-US" smtClean="0"/>
-              <a:t>5/4/2021</a:t>
+              <a:t>5/5/2021</a:t>
             </a:fld>
             <a:endParaRPr lang="en-US" dirty="0"/>
           </a:p>
@@ -1755,7 +2171,7 @@
           <a:p>
             <a:fld id="{3A2BF66F-FEB0-48C1-A8B9-A73F54BB1A08}" type="datetimeFigureOut">
               <a:rPr lang="en-US" smtClean="0"/>
-              <a:t>5/4/2021</a:t>
+              <a:t>5/5/2021</a:t>
             </a:fld>
             <a:endParaRPr lang="en-US" dirty="0"/>
           </a:p>
@@ -2030,7 +2446,7 @@
           <a:p>
             <a:fld id="{3A2BF66F-FEB0-48C1-A8B9-A73F54BB1A08}" type="datetimeFigureOut">
               <a:rPr lang="en-US" smtClean="0"/>
-              <a:t>5/4/2021</a:t>
+              <a:t>5/5/2021</a:t>
             </a:fld>
             <a:endParaRPr lang="en-US" dirty="0"/>
           </a:p>
@@ -2452,7 +2868,7 @@
           <a:p>
             <a:fld id="{3A2BF66F-FEB0-48C1-A8B9-A73F54BB1A08}" type="datetimeFigureOut">
               <a:rPr lang="en-US" smtClean="0"/>
-              <a:t>5/4/2021</a:t>
+              <a:t>5/5/2021</a:t>
             </a:fld>
             <a:endParaRPr lang="en-US" dirty="0"/>
           </a:p>
@@ -2603,7 +3019,7 @@
           <a:p>
             <a:fld id="{3A2BF66F-FEB0-48C1-A8B9-A73F54BB1A08}" type="datetimeFigureOut">
               <a:rPr lang="en-US" smtClean="0"/>
-              <a:t>5/4/2021</a:t>
+              <a:t>5/5/2021</a:t>
             </a:fld>
             <a:endParaRPr lang="en-US" dirty="0"/>
           </a:p>
@@ -2726,7 +3142,7 @@
           <a:p>
             <a:fld id="{3A2BF66F-FEB0-48C1-A8B9-A73F54BB1A08}" type="datetimeFigureOut">
               <a:rPr lang="en-US" smtClean="0"/>
-              <a:t>5/4/2021</a:t>
+              <a:t>5/5/2021</a:t>
             </a:fld>
             <a:endParaRPr lang="en-US" dirty="0"/>
           </a:p>
@@ -3046,7 +3462,7 @@
           <a:p>
             <a:fld id="{3A2BF66F-FEB0-48C1-A8B9-A73F54BB1A08}" type="datetimeFigureOut">
               <a:rPr lang="en-US" smtClean="0"/>
-              <a:t>5/4/2021</a:t>
+              <a:t>5/5/2021</a:t>
             </a:fld>
             <a:endParaRPr lang="en-US" dirty="0"/>
           </a:p>
@@ -3344,7 +3760,7 @@
           <a:p>
             <a:fld id="{3A2BF66F-FEB0-48C1-A8B9-A73F54BB1A08}" type="datetimeFigureOut">
               <a:rPr lang="en-US" smtClean="0"/>
-              <a:t>5/4/2021</a:t>
+              <a:t>5/5/2021</a:t>
             </a:fld>
             <a:endParaRPr lang="en-US" dirty="0"/>
           </a:p>
@@ -3595,7 +4011,7 @@
           <a:p>
             <a:fld id="{3A2BF66F-FEB0-48C1-A8B9-A73F54BB1A08}" type="datetimeFigureOut">
               <a:rPr lang="en-US" smtClean="0"/>
-              <a:t>5/4/2021</a:t>
+              <a:t>5/5/2021</a:t>
             </a:fld>
             <a:endParaRPr lang="en-US" dirty="0"/>
           </a:p>
@@ -4350,6 +4766,690 @@
           </a:p>
         </p:txBody>
       </p:sp>
+      <mc:AlternateContent xmlns:mc="http://schemas.openxmlformats.org/markup-compatibility/2006">
+        <mc:Choice xmlns:p14="http://schemas.microsoft.com/office/powerpoint/2010/main" Requires="p14">
+          <p:contentPart p14:bwMode="auto" r:id="rId2">
+            <p14:nvContentPartPr>
+              <p14:cNvPr id="4" name="Ink 3">
+                <a:extLst>
+                  <a:ext uri="{FF2B5EF4-FFF2-40B4-BE49-F238E27FC236}">
+                    <a16:creationId xmlns:a16="http://schemas.microsoft.com/office/drawing/2014/main" id="{19E1217F-BDD1-49AF-960B-BA131893D8A1}"/>
+                  </a:ext>
+                </a:extLst>
+              </p14:cNvPr>
+              <p14:cNvContentPartPr/>
+              <p14:nvPr/>
+            </p14:nvContentPartPr>
+            <p14:xfrm>
+              <a:off x="2201329" y="1691539"/>
+              <a:ext cx="714600" cy="44280"/>
+            </p14:xfrm>
+          </p:contentPart>
+        </mc:Choice>
+        <mc:Fallback>
+          <p:pic>
+            <p:nvPicPr>
+              <p:cNvPr id="4" name="Ink 3">
+                <a:extLst>
+                  <a:ext uri="{FF2B5EF4-FFF2-40B4-BE49-F238E27FC236}">
+                    <a16:creationId xmlns:a16="http://schemas.microsoft.com/office/drawing/2014/main" id="{19E1217F-BDD1-49AF-960B-BA131893D8A1}"/>
+                  </a:ext>
+                </a:extLst>
+              </p:cNvPr>
+              <p:cNvPicPr/>
+              <p:nvPr/>
+            </p:nvPicPr>
+            <p:blipFill>
+              <a:blip r:embed="rId3"/>
+              <a:stretch>
+                <a:fillRect/>
+              </a:stretch>
+            </p:blipFill>
+            <p:spPr>
+              <a:xfrm>
+                <a:off x="2192689" y="1682899"/>
+                <a:ext cx="732240" cy="61920"/>
+              </a:xfrm>
+              <a:prstGeom prst="rect">
+                <a:avLst/>
+              </a:prstGeom>
+            </p:spPr>
+          </p:pic>
+        </mc:Fallback>
+      </mc:AlternateContent>
+      <mc:AlternateContent xmlns:mc="http://schemas.openxmlformats.org/markup-compatibility/2006">
+        <mc:Choice xmlns:p14="http://schemas.microsoft.com/office/powerpoint/2010/main" Requires="p14">
+          <p:contentPart p14:bwMode="auto" r:id="rId4">
+            <p14:nvContentPartPr>
+              <p14:cNvPr id="5" name="Ink 4">
+                <a:extLst>
+                  <a:ext uri="{FF2B5EF4-FFF2-40B4-BE49-F238E27FC236}">
+                    <a16:creationId xmlns:a16="http://schemas.microsoft.com/office/drawing/2014/main" id="{957F1214-9A20-4961-8B8A-7F02A41636CE}"/>
+                  </a:ext>
+                </a:extLst>
+              </p14:cNvPr>
+              <p14:cNvContentPartPr/>
+              <p14:nvPr/>
+            </p14:nvContentPartPr>
+            <p14:xfrm>
+              <a:off x="1795249" y="2097979"/>
+              <a:ext cx="828360" cy="16200"/>
+            </p14:xfrm>
+          </p:contentPart>
+        </mc:Choice>
+        <mc:Fallback>
+          <p:pic>
+            <p:nvPicPr>
+              <p:cNvPr id="5" name="Ink 4">
+                <a:extLst>
+                  <a:ext uri="{FF2B5EF4-FFF2-40B4-BE49-F238E27FC236}">
+                    <a16:creationId xmlns:a16="http://schemas.microsoft.com/office/drawing/2014/main" id="{957F1214-9A20-4961-8B8A-7F02A41636CE}"/>
+                  </a:ext>
+                </a:extLst>
+              </p:cNvPr>
+              <p:cNvPicPr/>
+              <p:nvPr/>
+            </p:nvPicPr>
+            <p:blipFill>
+              <a:blip r:embed="rId5"/>
+              <a:stretch>
+                <a:fillRect/>
+              </a:stretch>
+            </p:blipFill>
+            <p:spPr>
+              <a:xfrm>
+                <a:off x="1786609" y="2089339"/>
+                <a:ext cx="846000" cy="33840"/>
+              </a:xfrm>
+              <a:prstGeom prst="rect">
+                <a:avLst/>
+              </a:prstGeom>
+            </p:spPr>
+          </p:pic>
+        </mc:Fallback>
+      </mc:AlternateContent>
+      <mc:AlternateContent xmlns:mc="http://schemas.openxmlformats.org/markup-compatibility/2006">
+        <mc:Choice xmlns:p14="http://schemas.microsoft.com/office/powerpoint/2010/main" Requires="p14">
+          <p:contentPart p14:bwMode="auto" r:id="rId6">
+            <p14:nvContentPartPr>
+              <p14:cNvPr id="6" name="Ink 5">
+                <a:extLst>
+                  <a:ext uri="{FF2B5EF4-FFF2-40B4-BE49-F238E27FC236}">
+                    <a16:creationId xmlns:a16="http://schemas.microsoft.com/office/drawing/2014/main" id="{25F17D39-101E-43FF-88A4-33548F94B837}"/>
+                  </a:ext>
+                </a:extLst>
+              </p14:cNvPr>
+              <p14:cNvContentPartPr/>
+              <p14:nvPr/>
+            </p14:nvContentPartPr>
+            <p14:xfrm>
+              <a:off x="2332729" y="2496499"/>
+              <a:ext cx="642960" cy="26280"/>
+            </p14:xfrm>
+          </p:contentPart>
+        </mc:Choice>
+        <mc:Fallback>
+          <p:pic>
+            <p:nvPicPr>
+              <p:cNvPr id="6" name="Ink 5">
+                <a:extLst>
+                  <a:ext uri="{FF2B5EF4-FFF2-40B4-BE49-F238E27FC236}">
+                    <a16:creationId xmlns:a16="http://schemas.microsoft.com/office/drawing/2014/main" id="{25F17D39-101E-43FF-88A4-33548F94B837}"/>
+                  </a:ext>
+                </a:extLst>
+              </p:cNvPr>
+              <p:cNvPicPr/>
+              <p:nvPr/>
+            </p:nvPicPr>
+            <p:blipFill>
+              <a:blip r:embed="rId7"/>
+              <a:stretch>
+                <a:fillRect/>
+              </a:stretch>
+            </p:blipFill>
+            <p:spPr>
+              <a:xfrm>
+                <a:off x="2324089" y="2487499"/>
+                <a:ext cx="660600" cy="43920"/>
+              </a:xfrm>
+              <a:prstGeom prst="rect">
+                <a:avLst/>
+              </a:prstGeom>
+            </p:spPr>
+          </p:pic>
+        </mc:Fallback>
+      </mc:AlternateContent>
+      <mc:AlternateContent xmlns:mc="http://schemas.openxmlformats.org/markup-compatibility/2006">
+        <mc:Choice xmlns:p14="http://schemas.microsoft.com/office/powerpoint/2010/main" Requires="p14">
+          <p:contentPart p14:bwMode="auto" r:id="rId8">
+            <p14:nvContentPartPr>
+              <p14:cNvPr id="7" name="Ink 6">
+                <a:extLst>
+                  <a:ext uri="{FF2B5EF4-FFF2-40B4-BE49-F238E27FC236}">
+                    <a16:creationId xmlns:a16="http://schemas.microsoft.com/office/drawing/2014/main" id="{9F774B51-3241-468A-AC7B-EF6EA4CC1B83}"/>
+                  </a:ext>
+                </a:extLst>
+              </p14:cNvPr>
+              <p14:cNvContentPartPr/>
+              <p14:nvPr/>
+            </p14:nvContentPartPr>
+            <p14:xfrm>
+              <a:off x="873289" y="2888539"/>
+              <a:ext cx="846720" cy="23040"/>
+            </p14:xfrm>
+          </p:contentPart>
+        </mc:Choice>
+        <mc:Fallback>
+          <p:pic>
+            <p:nvPicPr>
+              <p:cNvPr id="7" name="Ink 6">
+                <a:extLst>
+                  <a:ext uri="{FF2B5EF4-FFF2-40B4-BE49-F238E27FC236}">
+                    <a16:creationId xmlns:a16="http://schemas.microsoft.com/office/drawing/2014/main" id="{9F774B51-3241-468A-AC7B-EF6EA4CC1B83}"/>
+                  </a:ext>
+                </a:extLst>
+              </p:cNvPr>
+              <p:cNvPicPr/>
+              <p:nvPr/>
+            </p:nvPicPr>
+            <p:blipFill>
+              <a:blip r:embed="rId9"/>
+              <a:stretch>
+                <a:fillRect/>
+              </a:stretch>
+            </p:blipFill>
+            <p:spPr>
+              <a:xfrm>
+                <a:off x="864289" y="2879899"/>
+                <a:ext cx="864360" cy="40680"/>
+              </a:xfrm>
+              <a:prstGeom prst="rect">
+                <a:avLst/>
+              </a:prstGeom>
+            </p:spPr>
+          </p:pic>
+        </mc:Fallback>
+      </mc:AlternateContent>
+      <mc:AlternateContent xmlns:mc="http://schemas.openxmlformats.org/markup-compatibility/2006">
+        <mc:Choice xmlns:p14="http://schemas.microsoft.com/office/powerpoint/2010/main" Requires="p14">
+          <p:contentPart p14:bwMode="auto" r:id="rId10">
+            <p14:nvContentPartPr>
+              <p14:cNvPr id="8" name="Ink 7">
+                <a:extLst>
+                  <a:ext uri="{FF2B5EF4-FFF2-40B4-BE49-F238E27FC236}">
+                    <a16:creationId xmlns:a16="http://schemas.microsoft.com/office/drawing/2014/main" id="{2203E5CA-3536-4F29-9B16-11C71C3046E7}"/>
+                  </a:ext>
+                </a:extLst>
+              </p14:cNvPr>
+              <p14:cNvContentPartPr/>
+              <p14:nvPr/>
+            </p14:nvContentPartPr>
+            <p14:xfrm>
+              <a:off x="2979289" y="3170779"/>
+              <a:ext cx="622080" cy="40320"/>
+            </p14:xfrm>
+          </p:contentPart>
+        </mc:Choice>
+        <mc:Fallback>
+          <p:pic>
+            <p:nvPicPr>
+              <p:cNvPr id="8" name="Ink 7">
+                <a:extLst>
+                  <a:ext uri="{FF2B5EF4-FFF2-40B4-BE49-F238E27FC236}">
+                    <a16:creationId xmlns:a16="http://schemas.microsoft.com/office/drawing/2014/main" id="{2203E5CA-3536-4F29-9B16-11C71C3046E7}"/>
+                  </a:ext>
+                </a:extLst>
+              </p:cNvPr>
+              <p:cNvPicPr/>
+              <p:nvPr/>
+            </p:nvPicPr>
+            <p:blipFill>
+              <a:blip r:embed="rId11"/>
+              <a:stretch>
+                <a:fillRect/>
+              </a:stretch>
+            </p:blipFill>
+            <p:spPr>
+              <a:xfrm>
+                <a:off x="2970289" y="3161779"/>
+                <a:ext cx="639720" cy="57960"/>
+              </a:xfrm>
+              <a:prstGeom prst="rect">
+                <a:avLst/>
+              </a:prstGeom>
+            </p:spPr>
+          </p:pic>
+        </mc:Fallback>
+      </mc:AlternateContent>
+      <mc:AlternateContent xmlns:mc="http://schemas.openxmlformats.org/markup-compatibility/2006">
+        <mc:Choice xmlns:p14="http://schemas.microsoft.com/office/powerpoint/2010/main" Requires="p14">
+          <p:contentPart p14:bwMode="auto" r:id="rId12">
+            <p14:nvContentPartPr>
+              <p14:cNvPr id="9" name="Ink 8">
+                <a:extLst>
+                  <a:ext uri="{FF2B5EF4-FFF2-40B4-BE49-F238E27FC236}">
+                    <a16:creationId xmlns:a16="http://schemas.microsoft.com/office/drawing/2014/main" id="{94087A93-9872-4A03-BC24-EABB265630BF}"/>
+                  </a:ext>
+                </a:extLst>
+              </p14:cNvPr>
+              <p14:cNvContentPartPr/>
+              <p14:nvPr/>
+            </p14:nvContentPartPr>
+            <p14:xfrm>
+              <a:off x="4615489" y="3177979"/>
+              <a:ext cx="665280" cy="38880"/>
+            </p14:xfrm>
+          </p:contentPart>
+        </mc:Choice>
+        <mc:Fallback>
+          <p:pic>
+            <p:nvPicPr>
+              <p:cNvPr id="9" name="Ink 8">
+                <a:extLst>
+                  <a:ext uri="{FF2B5EF4-FFF2-40B4-BE49-F238E27FC236}">
+                    <a16:creationId xmlns:a16="http://schemas.microsoft.com/office/drawing/2014/main" id="{94087A93-9872-4A03-BC24-EABB265630BF}"/>
+                  </a:ext>
+                </a:extLst>
+              </p:cNvPr>
+              <p:cNvPicPr/>
+              <p:nvPr/>
+            </p:nvPicPr>
+            <p:blipFill>
+              <a:blip r:embed="rId13"/>
+              <a:stretch>
+                <a:fillRect/>
+              </a:stretch>
+            </p:blipFill>
+            <p:spPr>
+              <a:xfrm>
+                <a:off x="4606849" y="3168979"/>
+                <a:ext cx="682920" cy="56520"/>
+              </a:xfrm>
+              <a:prstGeom prst="rect">
+                <a:avLst/>
+              </a:prstGeom>
+            </p:spPr>
+          </p:pic>
+        </mc:Fallback>
+      </mc:AlternateContent>
+      <mc:AlternateContent xmlns:mc="http://schemas.openxmlformats.org/markup-compatibility/2006">
+        <mc:Choice xmlns:p14="http://schemas.microsoft.com/office/powerpoint/2010/main" Requires="p14">
+          <p:contentPart p14:bwMode="auto" r:id="rId14">
+            <p14:nvContentPartPr>
+              <p14:cNvPr id="10" name="Ink 9">
+                <a:extLst>
+                  <a:ext uri="{FF2B5EF4-FFF2-40B4-BE49-F238E27FC236}">
+                    <a16:creationId xmlns:a16="http://schemas.microsoft.com/office/drawing/2014/main" id="{0BE8D885-25D4-471C-9518-5D2B56E800FE}"/>
+                  </a:ext>
+                </a:extLst>
+              </p14:cNvPr>
+              <p14:cNvContentPartPr/>
+              <p14:nvPr/>
+            </p14:nvContentPartPr>
+            <p14:xfrm>
+              <a:off x="2175769" y="3449059"/>
+              <a:ext cx="591480" cy="63000"/>
+            </p14:xfrm>
+          </p:contentPart>
+        </mc:Choice>
+        <mc:Fallback>
+          <p:pic>
+            <p:nvPicPr>
+              <p:cNvPr id="10" name="Ink 9">
+                <a:extLst>
+                  <a:ext uri="{FF2B5EF4-FFF2-40B4-BE49-F238E27FC236}">
+                    <a16:creationId xmlns:a16="http://schemas.microsoft.com/office/drawing/2014/main" id="{0BE8D885-25D4-471C-9518-5D2B56E800FE}"/>
+                  </a:ext>
+                </a:extLst>
+              </p:cNvPr>
+              <p:cNvPicPr/>
+              <p:nvPr/>
+            </p:nvPicPr>
+            <p:blipFill>
+              <a:blip r:embed="rId15"/>
+              <a:stretch>
+                <a:fillRect/>
+              </a:stretch>
+            </p:blipFill>
+            <p:spPr>
+              <a:xfrm>
+                <a:off x="2166769" y="3440419"/>
+                <a:ext cx="609120" cy="80640"/>
+              </a:xfrm>
+              <a:prstGeom prst="rect">
+                <a:avLst/>
+              </a:prstGeom>
+            </p:spPr>
+          </p:pic>
+        </mc:Fallback>
+      </mc:AlternateContent>
+      <mc:AlternateContent xmlns:mc="http://schemas.openxmlformats.org/markup-compatibility/2006">
+        <mc:Choice xmlns:p14="http://schemas.microsoft.com/office/powerpoint/2010/main" Requires="p14">
+          <p:contentPart p14:bwMode="auto" r:id="rId16">
+            <p14:nvContentPartPr>
+              <p14:cNvPr id="11" name="Ink 10">
+                <a:extLst>
+                  <a:ext uri="{FF2B5EF4-FFF2-40B4-BE49-F238E27FC236}">
+                    <a16:creationId xmlns:a16="http://schemas.microsoft.com/office/drawing/2014/main" id="{DB31B9D1-8C60-4DB7-B8C5-BC5A8FA5B6D4}"/>
+                  </a:ext>
+                </a:extLst>
+              </p14:cNvPr>
+              <p14:cNvContentPartPr/>
+              <p14:nvPr/>
+            </p14:nvContentPartPr>
+            <p14:xfrm>
+              <a:off x="1284409" y="3584419"/>
+              <a:ext cx="183960" cy="98640"/>
+            </p14:xfrm>
+          </p:contentPart>
+        </mc:Choice>
+        <mc:Fallback>
+          <p:pic>
+            <p:nvPicPr>
+              <p:cNvPr id="11" name="Ink 10">
+                <a:extLst>
+                  <a:ext uri="{FF2B5EF4-FFF2-40B4-BE49-F238E27FC236}">
+                    <a16:creationId xmlns:a16="http://schemas.microsoft.com/office/drawing/2014/main" id="{DB31B9D1-8C60-4DB7-B8C5-BC5A8FA5B6D4}"/>
+                  </a:ext>
+                </a:extLst>
+              </p:cNvPr>
+              <p:cNvPicPr/>
+              <p:nvPr/>
+            </p:nvPicPr>
+            <p:blipFill>
+              <a:blip r:embed="rId17"/>
+              <a:stretch>
+                <a:fillRect/>
+              </a:stretch>
+            </p:blipFill>
+            <p:spPr>
+              <a:xfrm>
+                <a:off x="1275409" y="3575419"/>
+                <a:ext cx="201600" cy="116280"/>
+              </a:xfrm>
+              <a:prstGeom prst="rect">
+                <a:avLst/>
+              </a:prstGeom>
+            </p:spPr>
+          </p:pic>
+        </mc:Fallback>
+      </mc:AlternateContent>
+      <mc:AlternateContent xmlns:mc="http://schemas.openxmlformats.org/markup-compatibility/2006">
+        <mc:Choice xmlns:p14="http://schemas.microsoft.com/office/powerpoint/2010/main" Requires="p14">
+          <p:contentPart p14:bwMode="auto" r:id="rId18">
+            <p14:nvContentPartPr>
+              <p14:cNvPr id="12" name="Ink 11">
+                <a:extLst>
+                  <a:ext uri="{FF2B5EF4-FFF2-40B4-BE49-F238E27FC236}">
+                    <a16:creationId xmlns:a16="http://schemas.microsoft.com/office/drawing/2014/main" id="{F34051D4-B92F-44AA-88F8-4E91CA50A224}"/>
+                  </a:ext>
+                </a:extLst>
+              </p14:cNvPr>
+              <p14:cNvContentPartPr/>
+              <p14:nvPr/>
+            </p14:nvContentPartPr>
+            <p14:xfrm>
+              <a:off x="1261009" y="3816979"/>
+              <a:ext cx="172080" cy="88200"/>
+            </p14:xfrm>
+          </p:contentPart>
+        </mc:Choice>
+        <mc:Fallback>
+          <p:pic>
+            <p:nvPicPr>
+              <p:cNvPr id="12" name="Ink 11">
+                <a:extLst>
+                  <a:ext uri="{FF2B5EF4-FFF2-40B4-BE49-F238E27FC236}">
+                    <a16:creationId xmlns:a16="http://schemas.microsoft.com/office/drawing/2014/main" id="{F34051D4-B92F-44AA-88F8-4E91CA50A224}"/>
+                  </a:ext>
+                </a:extLst>
+              </p:cNvPr>
+              <p:cNvPicPr/>
+              <p:nvPr/>
+            </p:nvPicPr>
+            <p:blipFill>
+              <a:blip r:embed="rId19"/>
+              <a:stretch>
+                <a:fillRect/>
+              </a:stretch>
+            </p:blipFill>
+            <p:spPr>
+              <a:xfrm>
+                <a:off x="1252009" y="3808339"/>
+                <a:ext cx="189720" cy="105840"/>
+              </a:xfrm>
+              <a:prstGeom prst="rect">
+                <a:avLst/>
+              </a:prstGeom>
+            </p:spPr>
+          </p:pic>
+        </mc:Fallback>
+      </mc:AlternateContent>
+      <mc:AlternateContent xmlns:mc="http://schemas.openxmlformats.org/markup-compatibility/2006">
+        <mc:Choice xmlns:p14="http://schemas.microsoft.com/office/powerpoint/2010/main" Requires="p14">
+          <p:contentPart p14:bwMode="auto" r:id="rId20">
+            <p14:nvContentPartPr>
+              <p14:cNvPr id="13" name="Ink 12">
+                <a:extLst>
+                  <a:ext uri="{FF2B5EF4-FFF2-40B4-BE49-F238E27FC236}">
+                    <a16:creationId xmlns:a16="http://schemas.microsoft.com/office/drawing/2014/main" id="{9156787B-5C05-43B0-A79E-552EC838F329}"/>
+                  </a:ext>
+                </a:extLst>
+              </p14:cNvPr>
+              <p14:cNvContentPartPr/>
+              <p14:nvPr/>
+            </p14:nvContentPartPr>
+            <p14:xfrm>
+              <a:off x="1292689" y="4077979"/>
+              <a:ext cx="138960" cy="99000"/>
+            </p14:xfrm>
+          </p:contentPart>
+        </mc:Choice>
+        <mc:Fallback>
+          <p:pic>
+            <p:nvPicPr>
+              <p:cNvPr id="13" name="Ink 12">
+                <a:extLst>
+                  <a:ext uri="{FF2B5EF4-FFF2-40B4-BE49-F238E27FC236}">
+                    <a16:creationId xmlns:a16="http://schemas.microsoft.com/office/drawing/2014/main" id="{9156787B-5C05-43B0-A79E-552EC838F329}"/>
+                  </a:ext>
+                </a:extLst>
+              </p:cNvPr>
+              <p:cNvPicPr/>
+              <p:nvPr/>
+            </p:nvPicPr>
+            <p:blipFill>
+              <a:blip r:embed="rId21"/>
+              <a:stretch>
+                <a:fillRect/>
+              </a:stretch>
+            </p:blipFill>
+            <p:spPr>
+              <a:xfrm>
+                <a:off x="1283689" y="4068979"/>
+                <a:ext cx="156600" cy="116640"/>
+              </a:xfrm>
+              <a:prstGeom prst="rect">
+                <a:avLst/>
+              </a:prstGeom>
+            </p:spPr>
+          </p:pic>
+        </mc:Fallback>
+      </mc:AlternateContent>
+      <mc:AlternateContent xmlns:mc="http://schemas.openxmlformats.org/markup-compatibility/2006">
+        <mc:Choice xmlns:p14="http://schemas.microsoft.com/office/powerpoint/2010/main" Requires="p14">
+          <p:contentPart p14:bwMode="auto" r:id="rId22">
+            <p14:nvContentPartPr>
+              <p14:cNvPr id="14" name="Ink 13">
+                <a:extLst>
+                  <a:ext uri="{FF2B5EF4-FFF2-40B4-BE49-F238E27FC236}">
+                    <a16:creationId xmlns:a16="http://schemas.microsoft.com/office/drawing/2014/main" id="{5E383958-AEB0-4793-BD66-20AA737EDD4F}"/>
+                  </a:ext>
+                </a:extLst>
+              </p14:cNvPr>
+              <p14:cNvContentPartPr/>
+              <p14:nvPr/>
+            </p14:nvContentPartPr>
+            <p14:xfrm>
+              <a:off x="2301409" y="4503499"/>
+              <a:ext cx="516600" cy="9360"/>
+            </p14:xfrm>
+          </p:contentPart>
+        </mc:Choice>
+        <mc:Fallback>
+          <p:pic>
+            <p:nvPicPr>
+              <p:cNvPr id="14" name="Ink 13">
+                <a:extLst>
+                  <a:ext uri="{FF2B5EF4-FFF2-40B4-BE49-F238E27FC236}">
+                    <a16:creationId xmlns:a16="http://schemas.microsoft.com/office/drawing/2014/main" id="{5E383958-AEB0-4793-BD66-20AA737EDD4F}"/>
+                  </a:ext>
+                </a:extLst>
+              </p:cNvPr>
+              <p:cNvPicPr/>
+              <p:nvPr/>
+            </p:nvPicPr>
+            <p:blipFill>
+              <a:blip r:embed="rId23"/>
+              <a:stretch>
+                <a:fillRect/>
+              </a:stretch>
+            </p:blipFill>
+            <p:spPr>
+              <a:xfrm>
+                <a:off x="2292409" y="4494499"/>
+                <a:ext cx="534240" cy="27000"/>
+              </a:xfrm>
+              <a:prstGeom prst="rect">
+                <a:avLst/>
+              </a:prstGeom>
+            </p:spPr>
+          </p:pic>
+        </mc:Fallback>
+      </mc:AlternateContent>
+      <p:grpSp>
+        <p:nvGrpSpPr>
+          <p:cNvPr id="17" name="Group 16">
+            <a:extLst>
+              <a:ext uri="{FF2B5EF4-FFF2-40B4-BE49-F238E27FC236}">
+                <a16:creationId xmlns:a16="http://schemas.microsoft.com/office/drawing/2014/main" id="{39A5C519-0670-4792-95A6-71C50D89D2E0}"/>
+              </a:ext>
+            </a:extLst>
+          </p:cNvPr>
+          <p:cNvGrpSpPr/>
+          <p:nvPr/>
+        </p:nvGrpSpPr>
+        <p:grpSpPr>
+          <a:xfrm>
+            <a:off x="4327849" y="4792579"/>
+            <a:ext cx="1574640" cy="26640"/>
+            <a:chOff x="4327849" y="4792579"/>
+            <a:chExt cx="1574640" cy="26640"/>
+          </a:xfrm>
+        </p:grpSpPr>
+        <mc:AlternateContent xmlns:mc="http://schemas.openxmlformats.org/markup-compatibility/2006">
+          <mc:Choice xmlns:p14="http://schemas.microsoft.com/office/powerpoint/2010/main" Requires="p14">
+            <p:contentPart p14:bwMode="auto" r:id="rId24">
+              <p14:nvContentPartPr>
+                <p14:cNvPr id="15" name="Ink 14">
+                  <a:extLst>
+                    <a:ext uri="{FF2B5EF4-FFF2-40B4-BE49-F238E27FC236}">
+                      <a16:creationId xmlns:a16="http://schemas.microsoft.com/office/drawing/2014/main" id="{861433C4-F368-4CD5-A57E-030E3AD5DE81}"/>
+                    </a:ext>
+                  </a:extLst>
+                </p14:cNvPr>
+                <p14:cNvContentPartPr/>
+                <p14:nvPr/>
+              </p14:nvContentPartPr>
+              <p14:xfrm>
+                <a:off x="4327849" y="4792579"/>
+                <a:ext cx="417960" cy="17640"/>
+              </p14:xfrm>
+            </p:contentPart>
+          </mc:Choice>
+          <mc:Fallback>
+            <p:pic>
+              <p:nvPicPr>
+                <p:cNvPr id="15" name="Ink 14">
+                  <a:extLst>
+                    <a:ext uri="{FF2B5EF4-FFF2-40B4-BE49-F238E27FC236}">
+                      <a16:creationId xmlns:a16="http://schemas.microsoft.com/office/drawing/2014/main" id="{861433C4-F368-4CD5-A57E-030E3AD5DE81}"/>
+                    </a:ext>
+                  </a:extLst>
+                </p:cNvPr>
+                <p:cNvPicPr/>
+                <p:nvPr/>
+              </p:nvPicPr>
+              <p:blipFill>
+                <a:blip r:embed="rId25"/>
+                <a:stretch>
+                  <a:fillRect/>
+                </a:stretch>
+              </p:blipFill>
+              <p:spPr>
+                <a:xfrm>
+                  <a:off x="4319209" y="4783939"/>
+                  <a:ext cx="435600" cy="35280"/>
+                </a:xfrm>
+                <a:prstGeom prst="rect">
+                  <a:avLst/>
+                </a:prstGeom>
+              </p:spPr>
+            </p:pic>
+          </mc:Fallback>
+        </mc:AlternateContent>
+        <mc:AlternateContent xmlns:mc="http://schemas.openxmlformats.org/markup-compatibility/2006">
+          <mc:Choice xmlns:p14="http://schemas.microsoft.com/office/powerpoint/2010/main" Requires="p14">
+            <p:contentPart p14:bwMode="auto" r:id="rId26">
+              <p14:nvContentPartPr>
+                <p14:cNvPr id="16" name="Ink 15">
+                  <a:extLst>
+                    <a:ext uri="{FF2B5EF4-FFF2-40B4-BE49-F238E27FC236}">
+                      <a16:creationId xmlns:a16="http://schemas.microsoft.com/office/drawing/2014/main" id="{E21C63DE-5861-413B-8F2A-BE0F0794B5FA}"/>
+                    </a:ext>
+                  </a:extLst>
+                </p14:cNvPr>
+                <p14:cNvContentPartPr/>
+                <p14:nvPr/>
+              </p14:nvContentPartPr>
+              <p14:xfrm>
+                <a:off x="5177449" y="4795819"/>
+                <a:ext cx="725040" cy="23400"/>
+              </p14:xfrm>
+            </p:contentPart>
+          </mc:Choice>
+          <mc:Fallback>
+            <p:pic>
+              <p:nvPicPr>
+                <p:cNvPr id="16" name="Ink 15">
+                  <a:extLst>
+                    <a:ext uri="{FF2B5EF4-FFF2-40B4-BE49-F238E27FC236}">
+                      <a16:creationId xmlns:a16="http://schemas.microsoft.com/office/drawing/2014/main" id="{E21C63DE-5861-413B-8F2A-BE0F0794B5FA}"/>
+                    </a:ext>
+                  </a:extLst>
+                </p:cNvPr>
+                <p:cNvPicPr/>
+                <p:nvPr/>
+              </p:nvPicPr>
+              <p:blipFill>
+                <a:blip r:embed="rId27"/>
+                <a:stretch>
+                  <a:fillRect/>
+                </a:stretch>
+              </p:blipFill>
+              <p:spPr>
+                <a:xfrm>
+                  <a:off x="5168449" y="4786819"/>
+                  <a:ext cx="742680" cy="41040"/>
+                </a:xfrm>
+                <a:prstGeom prst="rect">
+                  <a:avLst/>
+                </a:prstGeom>
+              </p:spPr>
+            </p:pic>
+          </mc:Fallback>
+        </mc:AlternateContent>
+      </p:grpSp>
     </p:spTree>
     <p:extLst>
       <p:ext uri="{BB962C8B-B14F-4D97-AF65-F5344CB8AC3E}">
